--- a/Autómatas 2.pptx
+++ b/Autómatas 2.pptx
@@ -9,6 +9,7 @@
     <p:sldId id="257" r:id="rId3"/>
     <p:sldId id="258" r:id="rId4"/>
     <p:sldId id="259" r:id="rId5"/>
+    <p:sldId id="260" r:id="rId6"/>
   </p:sldIdLst>
   <p:sldSz cx="12192000" cy="6858000"/>
   <p:notesSz cx="6858000" cy="9144000"/>
@@ -107,6 +108,11 @@
       </a:defRPr>
     </a:lvl9pPr>
   </p:defaultTextStyle>
+  <p:extLst>
+    <p:ext uri="{EFAFB233-063F-42B5-8137-9DF3F51BA10A}">
+      <p15:sldGuideLst xmlns:p15="http://schemas.microsoft.com/office/powerpoint/2012/main"/>
+    </p:ext>
+  </p:extLst>
 </p:presentation>
 </file>
 
@@ -261,7 +267,7 @@
           <a:p>
             <a:fld id="{1ECB5883-038C-4696-8E27-1811E470D6D4}" type="datetime1">
               <a:rPr lang="en-US" smtClean="0"/>
-              <a:t>9/11/2024</a:t>
+              <a:t>10/8/2024</a:t>
             </a:fld>
             <a:endParaRPr lang="en-US"/>
           </a:p>
@@ -462,7 +468,7 @@
           <a:p>
             <a:fld id="{61E8A6D4-154B-4E4D-9001-7A6C328D243E}" type="datetime1">
               <a:rPr lang="en-US" smtClean="0"/>
-              <a:t>9/11/2024</a:t>
+              <a:t>10/8/2024</a:t>
             </a:fld>
             <a:endParaRPr lang="en-US"/>
           </a:p>
@@ -673,7 +679,7 @@
           <a:p>
             <a:fld id="{EF880999-9BD6-4929-BDEC-B84E21C16701}" type="datetime1">
               <a:rPr lang="en-US" smtClean="0"/>
-              <a:t>9/11/2024</a:t>
+              <a:t>10/8/2024</a:t>
             </a:fld>
             <a:endParaRPr lang="en-US"/>
           </a:p>
@@ -874,7 +880,7 @@
           <a:p>
             <a:fld id="{579F6069-8263-4296-913A-BC2234E8D32B}" type="datetime1">
               <a:rPr lang="en-US" smtClean="0"/>
-              <a:t>9/11/2024</a:t>
+              <a:t>10/8/2024</a:t>
             </a:fld>
             <a:endParaRPr lang="en-US"/>
           </a:p>
@@ -1154,7 +1160,7 @@
           <a:p>
             <a:fld id="{BC9F5005-EC25-4FB9-B19B-2437F0B120D2}" type="datetime1">
               <a:rPr lang="en-US" smtClean="0"/>
-              <a:t>9/11/2024</a:t>
+              <a:t>10/8/2024</a:t>
             </a:fld>
             <a:endParaRPr lang="en-US"/>
           </a:p>
@@ -1422,7 +1428,7 @@
           <a:p>
             <a:fld id="{0B283B5C-2325-42FF-AF91-C1451D9D66CC}" type="datetime1">
               <a:rPr lang="en-US" smtClean="0"/>
-              <a:t>9/11/2024</a:t>
+              <a:t>10/8/2024</a:t>
             </a:fld>
             <a:endParaRPr lang="en-US"/>
           </a:p>
@@ -1841,7 +1847,7 @@
           <a:p>
             <a:fld id="{0F88DB08-3B01-46DD-99F2-F6F6334EA669}" type="datetime1">
               <a:rPr lang="en-US" smtClean="0"/>
-              <a:t>9/11/2024</a:t>
+              <a:t>10/8/2024</a:t>
             </a:fld>
             <a:endParaRPr lang="en-US"/>
           </a:p>
@@ -1985,7 +1991,7 @@
           <a:p>
             <a:fld id="{5892AC11-ACC3-4129-BBD7-C580BF1A4EE7}" type="datetime1">
               <a:rPr lang="en-US" smtClean="0"/>
-              <a:t>9/11/2024</a:t>
+              <a:t>10/8/2024</a:t>
             </a:fld>
             <a:endParaRPr lang="en-US"/>
           </a:p>
@@ -2101,7 +2107,7 @@
           <a:p>
             <a:fld id="{6D80F7F3-E406-44E2-93AF-674B3F1A2E51}" type="datetime1">
               <a:rPr lang="en-US" smtClean="0"/>
-              <a:t>9/11/2024</a:t>
+              <a:t>10/8/2024</a:t>
             </a:fld>
             <a:endParaRPr lang="en-US"/>
           </a:p>
@@ -2419,7 +2425,7 @@
           <a:p>
             <a:fld id="{2FB1DD93-7C9D-4E53-81F0-DDE57FEA7EDB}" type="datetime1">
               <a:rPr lang="en-US" smtClean="0"/>
-              <a:t>9/11/2024</a:t>
+              <a:t>10/8/2024</a:t>
             </a:fld>
             <a:endParaRPr lang="en-US"/>
           </a:p>
@@ -2712,7 +2718,7 @@
           <a:p>
             <a:fld id="{3DF7BC28-59DE-4F83-B4A1-497203279FAD}" type="datetime1">
               <a:rPr lang="en-US" smtClean="0"/>
-              <a:t>9/11/2024</a:t>
+              <a:t>10/8/2024</a:t>
             </a:fld>
             <a:endParaRPr lang="en-US"/>
           </a:p>
@@ -3012,7 +3018,7 @@
           <a:p>
             <a:fld id="{0BDC4764-F656-4735-9820-9886F8DF1D6A}" type="datetime1">
               <a:rPr lang="en-US" smtClean="0"/>
-              <a:t>9/11/2024</a:t>
+              <a:t>10/8/2024</a:t>
             </a:fld>
             <a:endParaRPr lang="en-US" dirty="0"/>
           </a:p>
@@ -3569,7 +3575,7 @@
                   <a:spcPts val="600"/>
                 </a:spcAft>
               </a:pPr>
-              <a:t>9/11/2024</a:t>
+              <a:t>10/8/2024</a:t>
             </a:fld>
             <a:endParaRPr lang="en-US"/>
           </a:p>
@@ -3924,7 +3930,7 @@
                 <a:ea typeface="Aptos" panose="020B0004020202020204" pitchFamily="34" charset="0"/>
                 <a:cs typeface="Times New Roman" panose="02020603050405020304" pitchFamily="18" charset="0"/>
               </a:rPr>
-              <a:t> INT | BOOLEAN | DOUBLE</a:t>
+              <a:t> INT | BOOLEAN |STRING</a:t>
             </a:r>
           </a:p>
           <a:p>
@@ -4279,7 +4285,7 @@
                   <a:spcPts val="600"/>
                 </a:spcAft>
               </a:pPr>
-              <a:t>9/11/2024</a:t>
+              <a:t>10/8/2024</a:t>
             </a:fld>
             <a:endParaRPr lang="en-US"/>
           </a:p>
@@ -4462,7 +4468,7 @@
         <p:spPr>
           <a:xfrm>
             <a:off x="877824" y="2157984"/>
-            <a:ext cx="10442448" cy="3903819"/>
+            <a:ext cx="1814576" cy="3903819"/>
           </a:xfrm>
         </p:spPr>
         <p:txBody>
@@ -4643,7 +4649,7 @@
                   <a:spcPts val="600"/>
                 </a:spcAft>
               </a:pPr>
-              <a:t>9/11/2024</a:t>
+              <a:t>10/8/2024</a:t>
             </a:fld>
             <a:endParaRPr lang="en-US"/>
           </a:p>
@@ -4837,16 +4843,13 @@
               </a:rPr>
               <a:t>START</a:t>
             </a:r>
-            <a:r>
-              <a:rPr lang="es-ES" sz="1800" dirty="0">
-                <a:solidFill>
-                  <a:srgbClr val="000000"/>
-                </a:solidFill>
-                <a:effectLst/>
-                <a:latin typeface="Consolas" panose="020B0609020204030204" pitchFamily="49" charset="0"/>
-              </a:rPr>
-              <a:t>, </a:t>
-            </a:r>
+            <a:endParaRPr lang="es-ES" sz="1800" dirty="0">
+              <a:solidFill>
+                <a:srgbClr val="000000"/>
+              </a:solidFill>
+              <a:effectLst/>
+              <a:latin typeface="Consolas" panose="020B0609020204030204" pitchFamily="49" charset="0"/>
+            </a:endParaRPr>
           </a:p>
           <a:p>
             <a:pPr marL="114300" marR="0" indent="-342900">
@@ -4869,16 +4872,13 @@
               </a:rPr>
               <a:t>END</a:t>
             </a:r>
-            <a:r>
-              <a:rPr lang="es-ES" sz="1800" dirty="0">
-                <a:solidFill>
-                  <a:srgbClr val="000000"/>
-                </a:solidFill>
-                <a:effectLst/>
-                <a:latin typeface="Consolas" panose="020B0609020204030204" pitchFamily="49" charset="0"/>
-              </a:rPr>
-              <a:t>, </a:t>
-            </a:r>
+            <a:endParaRPr lang="es-ES" sz="1800" dirty="0">
+              <a:solidFill>
+                <a:srgbClr val="000000"/>
+              </a:solidFill>
+              <a:effectLst/>
+              <a:latin typeface="Consolas" panose="020B0609020204030204" pitchFamily="49" charset="0"/>
+            </a:endParaRPr>
           </a:p>
           <a:p>
             <a:pPr marL="114300" marR="0" indent="-342900">
@@ -4909,7 +4909,7 @@
                 <a:effectLst/>
                 <a:latin typeface="Consolas" panose="020B0609020204030204" pitchFamily="49" charset="0"/>
               </a:rPr>
-              <a:t>, </a:t>
+              <a:t> </a:t>
             </a:r>
           </a:p>
           <a:p>
@@ -4941,7 +4941,7 @@
                 <a:effectLst/>
                 <a:latin typeface="Consolas" panose="020B0609020204030204" pitchFamily="49" charset="0"/>
               </a:rPr>
-              <a:t>, </a:t>
+              <a:t> </a:t>
             </a:r>
           </a:p>
           <a:p>
@@ -4973,7 +4973,7 @@
                 <a:effectLst/>
                 <a:latin typeface="Consolas" panose="020B0609020204030204" pitchFamily="49" charset="0"/>
               </a:rPr>
-              <a:t>, </a:t>
+              <a:t> </a:t>
             </a:r>
           </a:p>
           <a:p>
@@ -5005,7 +5005,7 @@
                 <a:effectLst/>
                 <a:latin typeface="Consolas" panose="020B0609020204030204" pitchFamily="49" charset="0"/>
               </a:rPr>
-              <a:t>, </a:t>
+              <a:t> </a:t>
             </a:r>
           </a:p>
           <a:p>
@@ -5037,7 +5037,7 @@
                 <a:effectLst/>
                 <a:latin typeface="Consolas" panose="020B0609020204030204" pitchFamily="49" charset="0"/>
               </a:rPr>
-              <a:t>, </a:t>
+              <a:t> </a:t>
             </a:r>
           </a:p>
           <a:p>
@@ -5069,7 +5069,7 @@
                 <a:effectLst/>
                 <a:latin typeface="Consolas" panose="020B0609020204030204" pitchFamily="49" charset="0"/>
               </a:rPr>
-              <a:t>, </a:t>
+              <a:t> </a:t>
             </a:r>
           </a:p>
           <a:p>
@@ -5093,16 +5093,13 @@
               </a:rPr>
               <a:t>IDENTIFICADOR</a:t>
             </a:r>
-            <a:r>
-              <a:rPr lang="es-ES" sz="1800" dirty="0">
-                <a:solidFill>
-                  <a:srgbClr val="000000"/>
-                </a:solidFill>
-                <a:effectLst/>
-                <a:latin typeface="Consolas" panose="020B0609020204030204" pitchFamily="49" charset="0"/>
-              </a:rPr>
-              <a:t>,</a:t>
-            </a:r>
+            <a:endParaRPr lang="es-ES" sz="1800" dirty="0">
+              <a:solidFill>
+                <a:srgbClr val="000000"/>
+              </a:solidFill>
+              <a:effectLst/>
+              <a:latin typeface="Consolas" panose="020B0609020204030204" pitchFamily="49" charset="0"/>
+            </a:endParaRPr>
           </a:p>
           <a:p>
             <a:pPr marL="114300" marR="0" indent="-342900">
@@ -5125,16 +5122,13 @@
               </a:rPr>
               <a:t>NUMERO</a:t>
             </a:r>
-            <a:r>
-              <a:rPr lang="es-ES" sz="1800" dirty="0">
-                <a:solidFill>
-                  <a:srgbClr val="000000"/>
-                </a:solidFill>
-                <a:effectLst/>
-                <a:latin typeface="Consolas" panose="020B0609020204030204" pitchFamily="49" charset="0"/>
-              </a:rPr>
-              <a:t>,</a:t>
-            </a:r>
+            <a:endParaRPr lang="es-ES" sz="1800" dirty="0">
+              <a:solidFill>
+                <a:srgbClr val="000000"/>
+              </a:solidFill>
+              <a:effectLst/>
+              <a:latin typeface="Consolas" panose="020B0609020204030204" pitchFamily="49" charset="0"/>
+            </a:endParaRPr>
           </a:p>
         </p:txBody>
       </p:sp>
@@ -5187,7 +5181,7 @@
                 <a:effectLst/>
                 <a:latin typeface="Consolas" panose="020B0609020204030204" pitchFamily="49" charset="0"/>
               </a:rPr>
-              <a:t>, </a:t>
+              <a:t> </a:t>
             </a:r>
           </a:p>
           <a:p>
@@ -5219,7 +5213,7 @@
                 <a:effectLst/>
                 <a:latin typeface="Consolas" panose="020B0609020204030204" pitchFamily="49" charset="0"/>
               </a:rPr>
-              <a:t>, </a:t>
+              <a:t> </a:t>
             </a:r>
           </a:p>
           <a:p>
@@ -5243,16 +5237,13 @@
               </a:rPr>
               <a:t>IGUAL</a:t>
             </a:r>
-            <a:r>
-              <a:rPr lang="es-ES" sz="1800" dirty="0">
-                <a:solidFill>
-                  <a:srgbClr val="000000"/>
-                </a:solidFill>
-                <a:effectLst/>
-                <a:latin typeface="Consolas" panose="020B0609020204030204" pitchFamily="49" charset="0"/>
-              </a:rPr>
-              <a:t>, </a:t>
-            </a:r>
+            <a:endParaRPr lang="es-ES" sz="1800" dirty="0">
+              <a:solidFill>
+                <a:srgbClr val="000000"/>
+              </a:solidFill>
+              <a:effectLst/>
+              <a:latin typeface="Consolas" panose="020B0609020204030204" pitchFamily="49" charset="0"/>
+            </a:endParaRPr>
           </a:p>
           <a:p>
             <a:pPr marL="114300" marR="0" indent="-342900">
@@ -5283,7 +5274,7 @@
                 <a:effectLst/>
                 <a:latin typeface="Consolas" panose="020B0609020204030204" pitchFamily="49" charset="0"/>
               </a:rPr>
-              <a:t>, </a:t>
+              <a:t> </a:t>
             </a:r>
           </a:p>
           <a:p>
@@ -5307,16 +5298,13 @@
               </a:rPr>
               <a:t>PARENTESIS_DERECHO</a:t>
             </a:r>
-            <a:r>
-              <a:rPr lang="es-ES" sz="1800" dirty="0">
-                <a:solidFill>
-                  <a:srgbClr val="000000"/>
-                </a:solidFill>
-                <a:effectLst/>
-                <a:latin typeface="Consolas" panose="020B0609020204030204" pitchFamily="49" charset="0"/>
-              </a:rPr>
-              <a:t>,</a:t>
-            </a:r>
+            <a:endParaRPr lang="es-ES" sz="1800" dirty="0">
+              <a:solidFill>
+                <a:srgbClr val="000000"/>
+              </a:solidFill>
+              <a:effectLst/>
+              <a:latin typeface="Consolas" panose="020B0609020204030204" pitchFamily="49" charset="0"/>
+            </a:endParaRPr>
           </a:p>
           <a:p>
             <a:pPr marL="114300" marR="0" indent="-342900">
@@ -5339,16 +5327,13 @@
               </a:rPr>
               <a:t>LLAVE_IZQUIERDA</a:t>
             </a:r>
-            <a:r>
-              <a:rPr lang="es-ES" sz="1800" dirty="0">
-                <a:solidFill>
-                  <a:srgbClr val="000000"/>
-                </a:solidFill>
-                <a:effectLst/>
-                <a:latin typeface="Consolas" panose="020B0609020204030204" pitchFamily="49" charset="0"/>
-              </a:rPr>
-              <a:t>, </a:t>
-            </a:r>
+            <a:endParaRPr lang="es-ES" sz="1800" dirty="0">
+              <a:solidFill>
+                <a:srgbClr val="000000"/>
+              </a:solidFill>
+              <a:effectLst/>
+              <a:latin typeface="Consolas" panose="020B0609020204030204" pitchFamily="49" charset="0"/>
+            </a:endParaRPr>
           </a:p>
           <a:p>
             <a:pPr marL="114300" marR="0" indent="-342900">
@@ -5371,16 +5356,13 @@
               </a:rPr>
               <a:t>LLAVE_DERECHA</a:t>
             </a:r>
-            <a:r>
-              <a:rPr lang="es-ES" sz="1800" dirty="0">
-                <a:solidFill>
-                  <a:srgbClr val="000000"/>
-                </a:solidFill>
-                <a:effectLst/>
-                <a:latin typeface="Consolas" panose="020B0609020204030204" pitchFamily="49" charset="0"/>
-              </a:rPr>
-              <a:t>, </a:t>
-            </a:r>
+            <a:endParaRPr lang="es-ES" sz="1800" dirty="0">
+              <a:solidFill>
+                <a:srgbClr val="000000"/>
+              </a:solidFill>
+              <a:effectLst/>
+              <a:latin typeface="Consolas" panose="020B0609020204030204" pitchFamily="49" charset="0"/>
+            </a:endParaRPr>
           </a:p>
           <a:p>
             <a:pPr marL="114300" marR="0" indent="-342900">
@@ -5403,16 +5385,13 @@
               </a:rPr>
               <a:t>PUNTO_COMA</a:t>
             </a:r>
-            <a:r>
-              <a:rPr lang="es-ES" sz="1800" dirty="0">
-                <a:solidFill>
-                  <a:srgbClr val="000000"/>
-                </a:solidFill>
-                <a:effectLst/>
-                <a:latin typeface="Consolas" panose="020B0609020204030204" pitchFamily="49" charset="0"/>
-              </a:rPr>
-              <a:t>, </a:t>
-            </a:r>
+            <a:endParaRPr lang="es-ES" sz="1800" dirty="0">
+              <a:solidFill>
+                <a:srgbClr val="000000"/>
+              </a:solidFill>
+              <a:effectLst/>
+              <a:latin typeface="Consolas" panose="020B0609020204030204" pitchFamily="49" charset="0"/>
+            </a:endParaRPr>
           </a:p>
           <a:p>
             <a:pPr marL="114300" marR="0" indent="-342900">
@@ -5435,16 +5414,13 @@
               </a:rPr>
               <a:t>DESCONOCIDO</a:t>
             </a:r>
-            <a:r>
-              <a:rPr lang="es-ES" sz="1800" dirty="0">
-                <a:solidFill>
-                  <a:srgbClr val="000000"/>
-                </a:solidFill>
-                <a:effectLst/>
-                <a:latin typeface="Consolas" panose="020B0609020204030204" pitchFamily="49" charset="0"/>
-              </a:rPr>
-              <a:t>,</a:t>
-            </a:r>
+            <a:endParaRPr lang="es-ES" sz="1800" dirty="0">
+              <a:solidFill>
+                <a:srgbClr val="000000"/>
+              </a:solidFill>
+              <a:effectLst/>
+              <a:latin typeface="Consolas" panose="020B0609020204030204" pitchFamily="49" charset="0"/>
+            </a:endParaRPr>
           </a:p>
           <a:p>
             <a:pPr marL="114300" marR="0" indent="-342900">
@@ -5503,7 +5479,7 @@
           <a:p>
             <a:fld id="{579F6069-8263-4296-913A-BC2234E8D32B}" type="datetime1">
               <a:rPr lang="en-US" smtClean="0"/>
-              <a:t>9/11/2024</a:t>
+              <a:t>10/8/2024</a:t>
             </a:fld>
             <a:endParaRPr lang="en-US"/>
           </a:p>
@@ -5570,6 +5546,421 @@
     <p:extLst>
       <p:ext uri="{BB962C8B-B14F-4D97-AF65-F5344CB8AC3E}">
         <p14:creationId xmlns:p14="http://schemas.microsoft.com/office/powerpoint/2010/main" val="1080377019"/>
+      </p:ext>
+    </p:extLst>
+  </p:cSld>
+  <p:clrMapOvr>
+    <a:masterClrMapping/>
+  </p:clrMapOvr>
+</p:sld>
+</file>
+
+<file path=ppt/slides/slide5.xml><?xml version="1.0" encoding="utf-8"?>
+<p:sld xmlns:a="http://schemas.openxmlformats.org/drawingml/2006/main" xmlns:r="http://schemas.openxmlformats.org/officeDocument/2006/relationships" xmlns:p="http://schemas.openxmlformats.org/presentationml/2006/main">
+  <p:cSld>
+    <p:spTree>
+      <p:nvGrpSpPr>
+        <p:cNvPr id="1" name=""/>
+        <p:cNvGrpSpPr/>
+        <p:nvPr/>
+      </p:nvGrpSpPr>
+      <p:grpSpPr>
+        <a:xfrm>
+          <a:off x="0" y="0"/>
+          <a:ext cx="0" cy="0"/>
+          <a:chOff x="0" y="0"/>
+          <a:chExt cx="0" cy="0"/>
+        </a:xfrm>
+      </p:grpSpPr>
+      <p:sp>
+        <p:nvSpPr>
+          <p:cNvPr id="2" name="Título 1">
+            <a:extLst>
+              <a:ext uri="{FF2B5EF4-FFF2-40B4-BE49-F238E27FC236}">
+                <a16:creationId xmlns:a16="http://schemas.microsoft.com/office/drawing/2014/main" id="{5F54ECD1-1504-7D90-3C84-A56100A1AF91}"/>
+              </a:ext>
+            </a:extLst>
+          </p:cNvPr>
+          <p:cNvSpPr>
+            <a:spLocks noGrp="1"/>
+          </p:cNvSpPr>
+          <p:nvPr>
+            <p:ph type="title"/>
+          </p:nvPr>
+        </p:nvSpPr>
+        <p:spPr/>
+        <p:txBody>
+          <a:bodyPr/>
+          <a:lstStyle/>
+          <a:p>
+            <a:r>
+              <a:rPr lang="es-ES" dirty="0"/>
+              <a:t>Declaración de variables</a:t>
+            </a:r>
+            <a:endParaRPr lang="es-MX" dirty="0"/>
+          </a:p>
+        </p:txBody>
+      </p:sp>
+      <p:sp>
+        <p:nvSpPr>
+          <p:cNvPr id="3" name="Marcador de contenido 2">
+            <a:extLst>
+              <a:ext uri="{FF2B5EF4-FFF2-40B4-BE49-F238E27FC236}">
+                <a16:creationId xmlns:a16="http://schemas.microsoft.com/office/drawing/2014/main" id="{C84E3DEE-B254-C1C0-EACA-652D690BE84B}"/>
+              </a:ext>
+            </a:extLst>
+          </p:cNvPr>
+          <p:cNvSpPr>
+            <a:spLocks noGrp="1"/>
+          </p:cNvSpPr>
+          <p:nvPr>
+            <p:ph sz="half" idx="1"/>
+          </p:nvPr>
+        </p:nvSpPr>
+        <p:spPr/>
+        <p:txBody>
+          <a:bodyPr>
+            <a:normAutofit fontScale="92500" lnSpcReduction="20000"/>
+          </a:bodyPr>
+          <a:lstStyle/>
+          <a:p>
+            <a:pPr>
+              <a:lnSpc>
+                <a:spcPct val="100000"/>
+              </a:lnSpc>
+              <a:spcAft>
+                <a:spcPts val="800"/>
+              </a:spcAft>
+            </a:pPr>
+            <a:r>
+              <a:rPr lang="es-MX" sz="1800" dirty="0">
+                <a:effectLst/>
+                <a:latin typeface="Aptos" panose="020B0004020202020204" pitchFamily="34" charset="0"/>
+                <a:ea typeface="Aptos" panose="020B0004020202020204" pitchFamily="34" charset="0"/>
+                <a:cs typeface="Times New Roman" panose="02020603050405020304" pitchFamily="18" charset="0"/>
+              </a:rPr>
+              <a:t>START</a:t>
+            </a:r>
+          </a:p>
+          <a:p>
+            <a:pPr>
+              <a:lnSpc>
+                <a:spcPct val="100000"/>
+              </a:lnSpc>
+              <a:spcAft>
+                <a:spcPts val="800"/>
+              </a:spcAft>
+            </a:pPr>
+            <a:r>
+              <a:rPr lang="es-MX" sz="1800" dirty="0">
+                <a:effectLst/>
+                <a:latin typeface="Aptos" panose="020B0004020202020204" pitchFamily="34" charset="0"/>
+                <a:ea typeface="Aptos" panose="020B0004020202020204" pitchFamily="34" charset="0"/>
+                <a:cs typeface="Times New Roman" panose="02020603050405020304" pitchFamily="18" charset="0"/>
+              </a:rPr>
+              <a:t>INT x;</a:t>
+            </a:r>
+          </a:p>
+          <a:p>
+            <a:pPr>
+              <a:lnSpc>
+                <a:spcPct val="100000"/>
+              </a:lnSpc>
+              <a:spcAft>
+                <a:spcPts val="800"/>
+              </a:spcAft>
+            </a:pPr>
+            <a:r>
+              <a:rPr lang="es-MX" sz="1800" dirty="0">
+                <a:effectLst/>
+                <a:latin typeface="Aptos" panose="020B0004020202020204" pitchFamily="34" charset="0"/>
+                <a:ea typeface="Aptos" panose="020B0004020202020204" pitchFamily="34" charset="0"/>
+                <a:cs typeface="Times New Roman" panose="02020603050405020304" pitchFamily="18" charset="0"/>
+              </a:rPr>
+              <a:t>x = 5;</a:t>
+            </a:r>
+          </a:p>
+          <a:p>
+            <a:pPr>
+              <a:lnSpc>
+                <a:spcPct val="100000"/>
+              </a:lnSpc>
+              <a:spcAft>
+                <a:spcPts val="800"/>
+              </a:spcAft>
+            </a:pPr>
+            <a:r>
+              <a:rPr lang="es-MX" sz="1800" dirty="0">
+                <a:latin typeface="Aptos" panose="020B0004020202020204" pitchFamily="34" charset="0"/>
+                <a:ea typeface="Aptos" panose="020B0004020202020204" pitchFamily="34" charset="0"/>
+                <a:cs typeface="Times New Roman" panose="02020603050405020304" pitchFamily="18" charset="0"/>
+              </a:rPr>
+              <a:t>BOOLEAN a;</a:t>
+            </a:r>
+            <a:endParaRPr lang="es-MX" sz="1800" dirty="0">
+              <a:effectLst/>
+              <a:latin typeface="Aptos" panose="020B0004020202020204" pitchFamily="34" charset="0"/>
+              <a:ea typeface="Aptos" panose="020B0004020202020204" pitchFamily="34" charset="0"/>
+              <a:cs typeface="Times New Roman" panose="02020603050405020304" pitchFamily="18" charset="0"/>
+            </a:endParaRPr>
+          </a:p>
+          <a:p>
+            <a:pPr>
+              <a:lnSpc>
+                <a:spcPct val="100000"/>
+              </a:lnSpc>
+              <a:spcAft>
+                <a:spcPts val="800"/>
+              </a:spcAft>
+            </a:pPr>
+            <a:r>
+              <a:rPr lang="es-MX" sz="1800" dirty="0">
+                <a:effectLst/>
+                <a:latin typeface="Aptos" panose="020B0004020202020204" pitchFamily="34" charset="0"/>
+                <a:ea typeface="Aptos" panose="020B0004020202020204" pitchFamily="34" charset="0"/>
+                <a:cs typeface="Times New Roman" panose="02020603050405020304" pitchFamily="18" charset="0"/>
+              </a:rPr>
+              <a:t>IF x &gt; 0 {</a:t>
+            </a:r>
+          </a:p>
+          <a:p>
+            <a:pPr>
+              <a:lnSpc>
+                <a:spcPct val="100000"/>
+              </a:lnSpc>
+              <a:spcAft>
+                <a:spcPts val="800"/>
+              </a:spcAft>
+            </a:pPr>
+            <a:r>
+              <a:rPr lang="es-MX" sz="1800" dirty="0">
+                <a:effectLst/>
+                <a:latin typeface="Aptos" panose="020B0004020202020204" pitchFamily="34" charset="0"/>
+                <a:ea typeface="Aptos" panose="020B0004020202020204" pitchFamily="34" charset="0"/>
+                <a:cs typeface="Times New Roman" panose="02020603050405020304" pitchFamily="18" charset="0"/>
+              </a:rPr>
+              <a:t>    x = (x-1);</a:t>
+            </a:r>
+          </a:p>
+          <a:p>
+            <a:pPr>
+              <a:lnSpc>
+                <a:spcPct val="100000"/>
+              </a:lnSpc>
+              <a:spcAft>
+                <a:spcPts val="800"/>
+              </a:spcAft>
+            </a:pPr>
+            <a:r>
+              <a:rPr lang="es-MX" sz="1800" dirty="0">
+                <a:effectLst/>
+                <a:latin typeface="Aptos" panose="020B0004020202020204" pitchFamily="34" charset="0"/>
+                <a:ea typeface="Aptos" panose="020B0004020202020204" pitchFamily="34" charset="0"/>
+                <a:cs typeface="Times New Roman" panose="02020603050405020304" pitchFamily="18" charset="0"/>
+              </a:rPr>
+              <a:t> a = 1</a:t>
+            </a:r>
+          </a:p>
+          <a:p>
+            <a:pPr>
+              <a:lnSpc>
+                <a:spcPct val="100000"/>
+              </a:lnSpc>
+              <a:spcAft>
+                <a:spcPts val="800"/>
+              </a:spcAft>
+            </a:pPr>
+            <a:r>
+              <a:rPr lang="es-MX" sz="1800" dirty="0">
+                <a:effectLst/>
+                <a:latin typeface="Aptos" panose="020B0004020202020204" pitchFamily="34" charset="0"/>
+                <a:ea typeface="Aptos" panose="020B0004020202020204" pitchFamily="34" charset="0"/>
+                <a:cs typeface="Times New Roman" panose="02020603050405020304" pitchFamily="18" charset="0"/>
+              </a:rPr>
+              <a:t>} </a:t>
+            </a:r>
+          </a:p>
+          <a:p>
+            <a:pPr>
+              <a:lnSpc>
+                <a:spcPct val="100000"/>
+              </a:lnSpc>
+              <a:spcAft>
+                <a:spcPts val="800"/>
+              </a:spcAft>
+            </a:pPr>
+            <a:r>
+              <a:rPr lang="es-MX" sz="1800" dirty="0">
+                <a:effectLst/>
+                <a:latin typeface="Aptos" panose="020B0004020202020204" pitchFamily="34" charset="0"/>
+                <a:ea typeface="Aptos" panose="020B0004020202020204" pitchFamily="34" charset="0"/>
+                <a:cs typeface="Times New Roman" panose="02020603050405020304" pitchFamily="18" charset="0"/>
+              </a:rPr>
+              <a:t>END</a:t>
+            </a:r>
+          </a:p>
+          <a:p>
+            <a:pPr marL="0" indent="0">
+              <a:buNone/>
+            </a:pPr>
+            <a:endParaRPr lang="es-MX" dirty="0"/>
+          </a:p>
+        </p:txBody>
+      </p:sp>
+      <p:sp>
+        <p:nvSpPr>
+          <p:cNvPr id="4" name="Marcador de contenido 3">
+            <a:extLst>
+              <a:ext uri="{FF2B5EF4-FFF2-40B4-BE49-F238E27FC236}">
+                <a16:creationId xmlns:a16="http://schemas.microsoft.com/office/drawing/2014/main" id="{1FDE6AFA-DDA3-4182-30CA-E8A018DBFB52}"/>
+              </a:ext>
+            </a:extLst>
+          </p:cNvPr>
+          <p:cNvSpPr>
+            <a:spLocks noGrp="1"/>
+          </p:cNvSpPr>
+          <p:nvPr>
+            <p:ph sz="half" idx="2"/>
+          </p:nvPr>
+        </p:nvSpPr>
+        <p:spPr/>
+        <p:txBody>
+          <a:bodyPr>
+            <a:normAutofit fontScale="92500" lnSpcReduction="20000"/>
+          </a:bodyPr>
+          <a:lstStyle/>
+          <a:p>
+            <a:pPr marL="0" indent="0">
+              <a:buNone/>
+            </a:pPr>
+            <a:r>
+              <a:rPr lang="es-ES" sz="3600" dirty="0"/>
+              <a:t>. DATA</a:t>
+            </a:r>
+          </a:p>
+          <a:p>
+            <a:pPr marL="0" indent="0">
+              <a:buNone/>
+            </a:pPr>
+            <a:r>
+              <a:rPr lang="es-ES" sz="3600" dirty="0"/>
+              <a:t>x  	DW  		?</a:t>
+            </a:r>
+          </a:p>
+          <a:p>
+            <a:pPr marL="0" indent="0">
+              <a:buNone/>
+            </a:pPr>
+            <a:r>
+              <a:rPr lang="es-ES" sz="3600" dirty="0"/>
+              <a:t>a 	DB		?</a:t>
+            </a:r>
+          </a:p>
+          <a:p>
+            <a:pPr marL="0" indent="0">
+              <a:buNone/>
+            </a:pPr>
+            <a:r>
+              <a:rPr lang="es-ES" sz="3600" dirty="0"/>
+              <a:t>. CODE</a:t>
+            </a:r>
+            <a:endParaRPr lang="es-MX" sz="3600" dirty="0"/>
+          </a:p>
+          <a:p>
+            <a:endParaRPr lang="es-MX" dirty="0"/>
+          </a:p>
+        </p:txBody>
+      </p:sp>
+      <p:sp>
+        <p:nvSpPr>
+          <p:cNvPr id="5" name="Marcador de fecha 4">
+            <a:extLst>
+              <a:ext uri="{FF2B5EF4-FFF2-40B4-BE49-F238E27FC236}">
+                <a16:creationId xmlns:a16="http://schemas.microsoft.com/office/drawing/2014/main" id="{FFB5CCCD-B7BF-DE66-3EB2-0ABB94553D36}"/>
+              </a:ext>
+            </a:extLst>
+          </p:cNvPr>
+          <p:cNvSpPr>
+            <a:spLocks noGrp="1"/>
+          </p:cNvSpPr>
+          <p:nvPr>
+            <p:ph type="dt" sz="half" idx="10"/>
+          </p:nvPr>
+        </p:nvSpPr>
+        <p:spPr/>
+        <p:txBody>
+          <a:bodyPr/>
+          <a:lstStyle/>
+          <a:p>
+            <a:fld id="{0B283B5C-2325-42FF-AF91-C1451D9D66CC}" type="datetime1">
+              <a:rPr lang="en-US" smtClean="0"/>
+              <a:t>10/8/2024</a:t>
+            </a:fld>
+            <a:endParaRPr lang="en-US"/>
+          </a:p>
+        </p:txBody>
+      </p:sp>
+      <p:sp>
+        <p:nvSpPr>
+          <p:cNvPr id="6" name="Marcador de pie de página 5">
+            <a:extLst>
+              <a:ext uri="{FF2B5EF4-FFF2-40B4-BE49-F238E27FC236}">
+                <a16:creationId xmlns:a16="http://schemas.microsoft.com/office/drawing/2014/main" id="{B810BCA7-20DB-9ABD-C594-DAF0F5198BD0}"/>
+              </a:ext>
+            </a:extLst>
+          </p:cNvPr>
+          <p:cNvSpPr>
+            <a:spLocks noGrp="1"/>
+          </p:cNvSpPr>
+          <p:nvPr>
+            <p:ph type="ftr" sz="quarter" idx="11"/>
+          </p:nvPr>
+        </p:nvSpPr>
+        <p:spPr/>
+        <p:txBody>
+          <a:bodyPr/>
+          <a:lstStyle/>
+          <a:p>
+            <a:r>
+              <a:rPr lang="en-US"/>
+              <a:t>Sample Footer Text</a:t>
+            </a:r>
+          </a:p>
+        </p:txBody>
+      </p:sp>
+      <p:sp>
+        <p:nvSpPr>
+          <p:cNvPr id="7" name="Marcador de número de diapositiva 6">
+            <a:extLst>
+              <a:ext uri="{FF2B5EF4-FFF2-40B4-BE49-F238E27FC236}">
+                <a16:creationId xmlns:a16="http://schemas.microsoft.com/office/drawing/2014/main" id="{752C0113-D9D1-5348-7089-D95239130A26}"/>
+              </a:ext>
+            </a:extLst>
+          </p:cNvPr>
+          <p:cNvSpPr>
+            <a:spLocks noGrp="1"/>
+          </p:cNvSpPr>
+          <p:nvPr>
+            <p:ph type="sldNum" sz="quarter" idx="12"/>
+          </p:nvPr>
+        </p:nvSpPr>
+        <p:spPr/>
+        <p:txBody>
+          <a:bodyPr/>
+          <a:lstStyle/>
+          <a:p>
+            <a:fld id="{C68AC1EC-23E2-4F0E-A5A4-674EC8DB954E}" type="slidenum">
+              <a:rPr lang="en-US" smtClean="0"/>
+              <a:t>5</a:t>
+            </a:fld>
+            <a:endParaRPr lang="en-US"/>
+          </a:p>
+        </p:txBody>
+      </p:sp>
+    </p:spTree>
+    <p:extLst>
+      <p:ext uri="{BB962C8B-B14F-4D97-AF65-F5344CB8AC3E}">
+        <p14:creationId xmlns:p14="http://schemas.microsoft.com/office/powerpoint/2010/main" val="3882033446"/>
       </p:ext>
     </p:extLst>
   </p:cSld>
